--- a/COT24.pptx
+++ b/COT24.pptx
@@ -3128,7 +3128,7 @@
           <p:cNvPr id="3" name="Rectangle 2">
             <a:extLst>
               <a:ext uri="{FF2B5EF4-FFF2-40B4-BE49-F238E27FC236}">
-                <a16:creationId xmlns:a16="http://schemas.microsoft.com/office/drawing/2014/main" id="{5216E574-FA1E-6460-EDEE-6A934F5AA250}"/>
+                <a16:creationId xmlns:a16="http://schemas.microsoft.com/office/drawing/2014/main" id="{F5DE17C3-B7DF-0AC0-64E6-50212356ED18}"/>
               </a:ext>
             </a:extLst>
           </p:cNvPr>
@@ -3144,11 +3144,13 @@
             <a:avLst/>
           </a:prstGeom>
           <a:solidFill>
-            <a:schemeClr val="tx1">
-              <a:lumMod val="95000"/>
-              <a:lumOff val="5000"/>
-            </a:schemeClr>
+            <a:schemeClr val="tx1"/>
           </a:solidFill>
+          <a:ln>
+            <a:solidFill>
+              <a:schemeClr val="tx1"/>
+            </a:solidFill>
+          </a:ln>
         </p:spPr>
         <p:style>
           <a:lnRef idx="1">
@@ -3227,7 +3229,7 @@
           <p:cNvPr id="3" name="Rectangle 2">
             <a:extLst>
               <a:ext uri="{FF2B5EF4-FFF2-40B4-BE49-F238E27FC236}">
-                <a16:creationId xmlns:a16="http://schemas.microsoft.com/office/drawing/2014/main" id="{8068B6A9-6844-FCE7-A454-187F74C9F2FC}"/>
+                <a16:creationId xmlns:a16="http://schemas.microsoft.com/office/drawing/2014/main" id="{E94F3440-DEEF-2F88-FF4B-C41698880E68}"/>
               </a:ext>
             </a:extLst>
           </p:cNvPr>
@@ -3243,11 +3245,13 @@
             <a:avLst/>
           </a:prstGeom>
           <a:solidFill>
-            <a:schemeClr val="tx1">
-              <a:lumMod val="95000"/>
-              <a:lumOff val="5000"/>
-            </a:schemeClr>
+            <a:schemeClr val="tx1"/>
           </a:solidFill>
+          <a:ln>
+            <a:solidFill>
+              <a:schemeClr val="tx1"/>
+            </a:solidFill>
+          </a:ln>
         </p:spPr>
         <p:style>
           <a:lnRef idx="1">
@@ -3326,7 +3330,7 @@
           <p:cNvPr id="3" name="Rectangle 2">
             <a:extLst>
               <a:ext uri="{FF2B5EF4-FFF2-40B4-BE49-F238E27FC236}">
-                <a16:creationId xmlns:a16="http://schemas.microsoft.com/office/drawing/2014/main" id="{65666828-B41E-1159-42CC-B209A8D7308A}"/>
+                <a16:creationId xmlns:a16="http://schemas.microsoft.com/office/drawing/2014/main" id="{0FCFE9EA-79A4-30D2-4918-717E0F52ADFD}"/>
               </a:ext>
             </a:extLst>
           </p:cNvPr>
@@ -3342,11 +3346,13 @@
             <a:avLst/>
           </a:prstGeom>
           <a:solidFill>
-            <a:schemeClr val="tx1">
-              <a:lumMod val="95000"/>
-              <a:lumOff val="5000"/>
-            </a:schemeClr>
+            <a:schemeClr val="tx1"/>
           </a:solidFill>
+          <a:ln>
+            <a:solidFill>
+              <a:schemeClr val="tx1"/>
+            </a:solidFill>
+          </a:ln>
         </p:spPr>
         <p:style>
           <a:lnRef idx="1">
@@ -3425,7 +3431,7 @@
           <p:cNvPr id="3" name="Rectangle 2">
             <a:extLst>
               <a:ext uri="{FF2B5EF4-FFF2-40B4-BE49-F238E27FC236}">
-                <a16:creationId xmlns:a16="http://schemas.microsoft.com/office/drawing/2014/main" id="{8B64BC57-C674-5966-0DC8-86EAF221CB1E}"/>
+                <a16:creationId xmlns:a16="http://schemas.microsoft.com/office/drawing/2014/main" id="{3F72D82D-B978-6552-78FA-D49F311AF749}"/>
               </a:ext>
             </a:extLst>
           </p:cNvPr>
@@ -3441,11 +3447,13 @@
             <a:avLst/>
           </a:prstGeom>
           <a:solidFill>
-            <a:schemeClr val="tx1">
-              <a:lumMod val="95000"/>
-              <a:lumOff val="5000"/>
-            </a:schemeClr>
+            <a:schemeClr val="tx1"/>
           </a:solidFill>
+          <a:ln>
+            <a:solidFill>
+              <a:schemeClr val="tx1"/>
+            </a:solidFill>
+          </a:ln>
         </p:spPr>
         <p:style>
           <a:lnRef idx="1">
@@ -3524,7 +3532,7 @@
           <p:cNvPr id="3" name="Rectangle 2">
             <a:extLst>
               <a:ext uri="{FF2B5EF4-FFF2-40B4-BE49-F238E27FC236}">
-                <a16:creationId xmlns:a16="http://schemas.microsoft.com/office/drawing/2014/main" id="{8FE5CBA1-6ECC-3E61-905E-B4E3CE8890F9}"/>
+                <a16:creationId xmlns:a16="http://schemas.microsoft.com/office/drawing/2014/main" id="{0FC9979C-EEE9-C6AC-9E4C-85D404DF313A}"/>
               </a:ext>
             </a:extLst>
           </p:cNvPr>
@@ -3540,11 +3548,13 @@
             <a:avLst/>
           </a:prstGeom>
           <a:solidFill>
-            <a:schemeClr val="tx1">
-              <a:lumMod val="95000"/>
-              <a:lumOff val="5000"/>
-            </a:schemeClr>
+            <a:schemeClr val="tx1"/>
           </a:solidFill>
+          <a:ln>
+            <a:solidFill>
+              <a:schemeClr val="tx1"/>
+            </a:solidFill>
+          </a:ln>
         </p:spPr>
         <p:style>
           <a:lnRef idx="1">
@@ -3623,7 +3633,7 @@
           <p:cNvPr id="3" name="Rectangle 2">
             <a:extLst>
               <a:ext uri="{FF2B5EF4-FFF2-40B4-BE49-F238E27FC236}">
-                <a16:creationId xmlns:a16="http://schemas.microsoft.com/office/drawing/2014/main" id="{5DB5F3BC-BF93-BA24-60E7-50FDE1E5F6A9}"/>
+                <a16:creationId xmlns:a16="http://schemas.microsoft.com/office/drawing/2014/main" id="{8F19BFC7-5152-E9D3-1558-7C4F3943AB8A}"/>
               </a:ext>
             </a:extLst>
           </p:cNvPr>
@@ -3639,11 +3649,13 @@
             <a:avLst/>
           </a:prstGeom>
           <a:solidFill>
-            <a:schemeClr val="tx1">
-              <a:lumMod val="95000"/>
-              <a:lumOff val="5000"/>
-            </a:schemeClr>
+            <a:schemeClr val="tx1"/>
           </a:solidFill>
+          <a:ln>
+            <a:solidFill>
+              <a:schemeClr val="tx1"/>
+            </a:solidFill>
+          </a:ln>
         </p:spPr>
         <p:style>
           <a:lnRef idx="1">
@@ -3722,7 +3734,7 @@
           <p:cNvPr id="3" name="Rectangle 2">
             <a:extLst>
               <a:ext uri="{FF2B5EF4-FFF2-40B4-BE49-F238E27FC236}">
-                <a16:creationId xmlns:a16="http://schemas.microsoft.com/office/drawing/2014/main" id="{077E0EFA-50D5-41CE-EF94-EB240AE02F2E}"/>
+                <a16:creationId xmlns:a16="http://schemas.microsoft.com/office/drawing/2014/main" id="{E07E973F-C956-BE53-475F-45A05B918EC9}"/>
               </a:ext>
             </a:extLst>
           </p:cNvPr>
@@ -3738,11 +3750,13 @@
             <a:avLst/>
           </a:prstGeom>
           <a:solidFill>
-            <a:schemeClr val="tx1">
-              <a:lumMod val="95000"/>
-              <a:lumOff val="5000"/>
-            </a:schemeClr>
+            <a:schemeClr val="tx1"/>
           </a:solidFill>
+          <a:ln>
+            <a:solidFill>
+              <a:schemeClr val="tx1"/>
+            </a:solidFill>
+          </a:ln>
         </p:spPr>
         <p:style>
           <a:lnRef idx="1">
@@ -3821,7 +3835,7 @@
           <p:cNvPr id="3" name="Rectangle 2">
             <a:extLst>
               <a:ext uri="{FF2B5EF4-FFF2-40B4-BE49-F238E27FC236}">
-                <a16:creationId xmlns:a16="http://schemas.microsoft.com/office/drawing/2014/main" id="{A5B710A3-DCA0-4A88-3340-D4F0772C9CDA}"/>
+                <a16:creationId xmlns:a16="http://schemas.microsoft.com/office/drawing/2014/main" id="{FCD9582A-045F-1CDD-8B3E-7E516551FB5F}"/>
               </a:ext>
             </a:extLst>
           </p:cNvPr>
@@ -3837,11 +3851,13 @@
             <a:avLst/>
           </a:prstGeom>
           <a:solidFill>
-            <a:schemeClr val="tx1">
-              <a:lumMod val="95000"/>
-              <a:lumOff val="5000"/>
-            </a:schemeClr>
+            <a:schemeClr val="tx1"/>
           </a:solidFill>
+          <a:ln>
+            <a:solidFill>
+              <a:schemeClr val="tx1"/>
+            </a:solidFill>
+          </a:ln>
         </p:spPr>
         <p:style>
           <a:lnRef idx="1">
@@ -3920,7 +3936,7 @@
           <p:cNvPr id="3" name="Rectangle 2">
             <a:extLst>
               <a:ext uri="{FF2B5EF4-FFF2-40B4-BE49-F238E27FC236}">
-                <a16:creationId xmlns:a16="http://schemas.microsoft.com/office/drawing/2014/main" id="{8FEBC61C-795F-2C8F-3942-F13EBA8230F6}"/>
+                <a16:creationId xmlns:a16="http://schemas.microsoft.com/office/drawing/2014/main" id="{5C3C74B6-2F98-FFDC-459A-35EB6F35B0F4}"/>
               </a:ext>
             </a:extLst>
           </p:cNvPr>
@@ -3936,11 +3952,13 @@
             <a:avLst/>
           </a:prstGeom>
           <a:solidFill>
-            <a:schemeClr val="tx1">
-              <a:lumMod val="95000"/>
-              <a:lumOff val="5000"/>
-            </a:schemeClr>
+            <a:schemeClr val="tx1"/>
           </a:solidFill>
+          <a:ln>
+            <a:solidFill>
+              <a:schemeClr val="tx1"/>
+            </a:solidFill>
+          </a:ln>
         </p:spPr>
         <p:style>
           <a:lnRef idx="1">
@@ -4019,7 +4037,7 @@
           <p:cNvPr id="3" name="Rectangle 2">
             <a:extLst>
               <a:ext uri="{FF2B5EF4-FFF2-40B4-BE49-F238E27FC236}">
-                <a16:creationId xmlns:a16="http://schemas.microsoft.com/office/drawing/2014/main" id="{3DA78B13-E95B-34A5-CE5E-348A4A509616}"/>
+                <a16:creationId xmlns:a16="http://schemas.microsoft.com/office/drawing/2014/main" id="{C6C36D02-BF7E-8BDB-C96D-7D2CB080CABC}"/>
               </a:ext>
             </a:extLst>
           </p:cNvPr>
@@ -4035,11 +4053,13 @@
             <a:avLst/>
           </a:prstGeom>
           <a:solidFill>
-            <a:schemeClr val="tx1">
-              <a:lumMod val="95000"/>
-              <a:lumOff val="5000"/>
-            </a:schemeClr>
+            <a:schemeClr val="tx1"/>
           </a:solidFill>
+          <a:ln>
+            <a:solidFill>
+              <a:schemeClr val="tx1"/>
+            </a:solidFill>
+          </a:ln>
         </p:spPr>
         <p:style>
           <a:lnRef idx="1">
